--- a/slides/04 Functions.pptx
+++ b/slides/04 Functions.pptx
@@ -457,7 +457,7 @@
           <a:p>
             <a:fld id="{9819AC5B-5C28-4682-8A2A-3D2C4E3BE131}" type="datetimeFigureOut">
               <a:rPr lang="en-US" smtClean="0"/>
-              <a:t>7/3/2018</a:t>
+              <a:t>8/14/2018</a:t>
             </a:fld>
             <a:endParaRPr lang="en-US"/>
           </a:p>
@@ -665,7 +665,7 @@
           <a:p>
             <a:fld id="{9819AC5B-5C28-4682-8A2A-3D2C4E3BE131}" type="datetimeFigureOut">
               <a:rPr lang="en-US" smtClean="0"/>
-              <a:t>7/3/2018</a:t>
+              <a:t>8/14/2018</a:t>
             </a:fld>
             <a:endParaRPr lang="en-US"/>
           </a:p>
@@ -1119,7 +1119,7 @@
           <a:p>
             <a:fld id="{9819AC5B-5C28-4682-8A2A-3D2C4E3BE131}" type="datetimeFigureOut">
               <a:rPr lang="en-US" smtClean="0"/>
-              <a:t>7/3/2018</a:t>
+              <a:t>8/14/2018</a:t>
             </a:fld>
             <a:endParaRPr lang="en-US"/>
           </a:p>
@@ -1384,7 +1384,7 @@
           <a:p>
             <a:fld id="{9819AC5B-5C28-4682-8A2A-3D2C4E3BE131}" type="datetimeFigureOut">
               <a:rPr lang="en-US" smtClean="0"/>
-              <a:t>7/3/2018</a:t>
+              <a:t>8/14/2018</a:t>
             </a:fld>
             <a:endParaRPr lang="en-US"/>
           </a:p>
@@ -1796,7 +1796,7 @@
           <a:p>
             <a:fld id="{9819AC5B-5C28-4682-8A2A-3D2C4E3BE131}" type="datetimeFigureOut">
               <a:rPr lang="en-US" smtClean="0"/>
-              <a:t>7/3/2018</a:t>
+              <a:t>8/14/2018</a:t>
             </a:fld>
             <a:endParaRPr lang="en-US"/>
           </a:p>
@@ -1937,7 +1937,7 @@
           <a:p>
             <a:fld id="{9819AC5B-5C28-4682-8A2A-3D2C4E3BE131}" type="datetimeFigureOut">
               <a:rPr lang="en-US" smtClean="0"/>
-              <a:t>7/3/2018</a:t>
+              <a:t>8/14/2018</a:t>
             </a:fld>
             <a:endParaRPr lang="en-US"/>
           </a:p>
@@ -2050,7 +2050,7 @@
           <a:p>
             <a:fld id="{9819AC5B-5C28-4682-8A2A-3D2C4E3BE131}" type="datetimeFigureOut">
               <a:rPr lang="en-US" smtClean="0"/>
-              <a:t>7/3/2018</a:t>
+              <a:t>8/14/2018</a:t>
             </a:fld>
             <a:endParaRPr lang="en-US"/>
           </a:p>
@@ -2361,7 +2361,7 @@
           <a:p>
             <a:fld id="{9819AC5B-5C28-4682-8A2A-3D2C4E3BE131}" type="datetimeFigureOut">
               <a:rPr lang="en-US" smtClean="0"/>
-              <a:t>7/3/2018</a:t>
+              <a:t>8/14/2018</a:t>
             </a:fld>
             <a:endParaRPr lang="en-US"/>
           </a:p>
@@ -2649,7 +2649,7 @@
           <a:p>
             <a:fld id="{9819AC5B-5C28-4682-8A2A-3D2C4E3BE131}" type="datetimeFigureOut">
               <a:rPr lang="en-US" smtClean="0"/>
-              <a:t>7/3/2018</a:t>
+              <a:t>8/14/2018</a:t>
             </a:fld>
             <a:endParaRPr lang="en-US"/>
           </a:p>
@@ -2890,7 +2890,7 @@
           <a:p>
             <a:fld id="{9819AC5B-5C28-4682-8A2A-3D2C4E3BE131}" type="datetimeFigureOut">
               <a:rPr lang="en-US" smtClean="0"/>
-              <a:t>7/3/2018</a:t>
+              <a:t>8/14/2018</a:t>
             </a:fld>
             <a:endParaRPr lang="en-US"/>
           </a:p>
@@ -3859,23 +3859,7 @@
                 <a:ea typeface="Cambria" panose="02040503050406030204" pitchFamily="18" charset="0"/>
                 <a:cs typeface="Courier New" panose="02070309020205020404" pitchFamily="49" charset="0"/>
               </a:rPr>
-              <a:t>Exercises 3.1</a:t>
-            </a:r>
-            <a:r>
-              <a:rPr lang="en-US" altLang="en-US" sz="2400" i="1" dirty="0">
-                <a:latin typeface="Calibri (body)"/>
-                <a:ea typeface="Cambria" panose="02040503050406030204" pitchFamily="18" charset="0"/>
-                <a:cs typeface="Courier New" panose="02070309020205020404" pitchFamily="49" charset="0"/>
-              </a:rPr>
-              <a:t>, </a:t>
-            </a:r>
-            <a:r>
-              <a:rPr lang="en-US" altLang="en-US" sz="2400" dirty="0">
-                <a:latin typeface="Calibri (body)"/>
-                <a:ea typeface="Cambria" panose="02040503050406030204" pitchFamily="18" charset="0"/>
-                <a:cs typeface="Courier New" panose="02070309020205020404" pitchFamily="49" charset="0"/>
-              </a:rPr>
-              <a:t>3.2</a:t>
+              <a:t>Exercises 1 - 4</a:t>
             </a:r>
             <a:endParaRPr lang="en-US" altLang="en-US" sz="2400" dirty="0">
               <a:latin typeface="Courier New" panose="02070309020205020404" pitchFamily="49" charset="0"/>
